--- a/slides/pptx/TitleSlide.pptx
+++ b/slides/pptx/TitleSlide.pptx
@@ -7,8 +7,9 @@
   <p:sldIdLst>
     <p:sldId id="256" r:id="rId7"/>
     <p:sldId id="257" r:id="rId9"/>
+    <p:sldId id="258" r:id="rId10"/>
   </p:sldIdLst>
-  <p:sldSz cx="8134350" cy="4572000" type="screen4x3"/>
+  <p:sldSz cx="18288000" cy="10287000" type="screen4x3"/>
   <p:notesSz cx="6858000" cy="9144000"/>
   <p:defaultTextStyle>
     <a:defPPr>
@@ -525,6 +526,72 @@
 </file>
 
 <file path=ppt/notesSlides/notesSlide2.xml><?xml version="1.0" encoding="utf-8"?>
+<p:notes xmlns:a="http://schemas.openxmlformats.org/drawingml/2006/main" xmlns:p="http://schemas.openxmlformats.org/presentationml/2006/main" xmlns:r="http://schemas.openxmlformats.org/officeDocument/2006/relationships">
+  <p:cSld>
+    <p:spTree>
+      <p:nvGrpSpPr>
+        <p:cNvPr id="1" name=""/>
+        <p:cNvGrpSpPr/>
+        <p:nvPr/>
+      </p:nvGrpSpPr>
+      <p:grpSpPr>
+        <a:xfrm>
+          <a:off x="0" y="0"/>
+          <a:ext cx="0" cy="0"/>
+          <a:chOff x="0" y="0"/>
+          <a:chExt cx="0" cy="0"/>
+        </a:xfrm>
+      </p:grpSpPr>
+      <p:sp>
+        <p:nvSpPr>
+          <p:cNvPr id="2" name="Slide Image Placeholder 1"/>
+          <p:cNvSpPr>
+            <a:spLocks noGrp="1"/>
+          </p:cNvSpPr>
+          <p:nvPr>
+            <p:ph type="sldImg" idx="2"/>
+          </p:nvPr>
+        </p:nvSpPr>
+        <p:spPr/>
+      </p:sp>
+      <p:sp>
+        <p:nvSpPr>
+          <p:cNvPr id="3" name="Notes Placeholder 2"/>
+          <p:cNvSpPr>
+            <a:spLocks noGrp="1"/>
+          </p:cNvSpPr>
+          <p:nvPr>
+            <p:ph type="body" idx="3" sz="quarter"/>
+          </p:nvPr>
+        </p:nvSpPr>
+        <p:spPr/>
+        <p:txBody>
+          <a:bodyPr/>
+          <a:lstStyle/>
+          <a:p/>
+        </p:txBody>
+      </p:sp>
+      <p:sp>
+        <p:nvSpPr>
+          <p:cNvPr id="4" name="Slide Number Placeholder 3"/>
+          <p:cNvSpPr>
+            <a:spLocks noGrp="1"/>
+          </p:cNvSpPr>
+          <p:nvPr>
+            <p:ph type="sldNum" idx="5" sz="quarter"/>
+          </p:nvPr>
+        </p:nvSpPr>
+        <p:spPr/>
+      </p:sp>
+    </p:spTree>
+  </p:cSld>
+  <p:clrMapOvr>
+    <a:masterClrMapping/>
+  </p:clrMapOvr>
+</p:notes>
+</file>
+
+<file path=ppt/notesSlides/notesSlide3.xml><?xml version="1.0" encoding="utf-8"?>
 <p:notes xmlns:a="http://schemas.openxmlformats.org/drawingml/2006/main" xmlns:p="http://schemas.openxmlformats.org/presentationml/2006/main" xmlns:r="http://schemas.openxmlformats.org/officeDocument/2006/relationships">
   <p:cSld>
     <p:spTree>
@@ -3573,7 +3640,7 @@
       <p:grpSpPr/>
       <p:pic>
         <p:nvPicPr>
-          <p:cNvPr id="2" name="3163782288_646534937_338361040.mp4">
+          <p:cNvPr id="2" name="2098644831_2097613295_1273421227.mp4">
             <a:hlinkClick r:id="" action="ppaction://media"/>
           </p:cNvPr>
           <p:cNvPicPr>
@@ -3597,7 +3664,207 @@
         <p:spPr>
           <a:xfrm>
             <a:off x="0" y="0"/>
-            <a:ext cx="8134350" cy="4572000"/>
+            <a:ext cx="18288000" cy="10287000"/>
+          </a:xfrm>
+          <a:prstGeom prst="rect">
+            <a:avLst/>
+          </a:prstGeom>
+        </p:spPr>
+      </p:pic>
+    </p:spTree>
+  </p:cSld>
+  <p:clrMapOvr>
+    <a:masterClrMapping/>
+  </p:clrMapOvr>
+  <p:timing>
+    <p:tnLst>
+      <p:par>
+        <p:cTn id="1" dur="indefinite" restart="never" nodeType="tmRoot">
+          <p:childTnLst>
+            <p:seq concurrent="1" nextAc="seek">
+              <p:cTn id="2" dur="indefinite" nodeType="mainSeq">
+                <p:childTnLst>
+                  <p:par>
+                    <p:cTn id="3" fill="hold">
+                      <p:stCondLst>
+                        <p:cond delay="indefinite"/>
+                        <p:cond evt="onBegin" delay="0">
+                          <p:tn val="2"/>
+                        </p:cond>
+                      </p:stCondLst>
+                      <p:childTnLst>
+                        <p:par>
+                          <p:cTn id="4" fill="hold">
+                            <p:stCondLst>
+                              <p:cond delay="0"/>
+                            </p:stCondLst>
+                            <p:childTnLst>
+                              <p:par>
+                                <p:cTn id="5" presetID="1" presetClass="entr" presetSubtype="0" fill="hold" nodeType="withEffect">
+                                  <p:stCondLst>
+                                    <p:cond delay="0"/>
+                                  </p:stCondLst>
+                                  <p:childTnLst>
+                                    <p:set>
+                                      <p:cBhvr>
+                                        <p:cTn id="6" dur="1" fill="hold">
+                                          <p:stCondLst>
+                                            <p:cond delay="0"/>
+                                          </p:stCondLst>
+                                        </p:cTn>
+                                        <p:tgtEl>
+                                          <p:spTgt spid="2"/>
+                                        </p:tgtEl>
+                                        <p:attrNameLst>
+                                          <p:attrName>style.visibility</p:attrName>
+                                        </p:attrNameLst>
+                                      </p:cBhvr>
+                                      <p:to>
+                                        <p:strVal val="visible"/>
+                                      </p:to>
+                                    </p:set>
+                                  </p:childTnLst>
+                                </p:cTn>
+                              </p:par>
+                            </p:childTnLst>
+                          </p:cTn>
+                        </p:par>
+                        <p:par>
+                          <p:cTn id="7" fill="hold">
+                            <p:stCondLst>
+                              <p:cond delay="0"/>
+                            </p:stCondLst>
+                            <p:childTnLst>
+                              <p:par>
+                                <p:cTn id="8" presetID="1" presetClass="mediacall" presetSubtype="0" fill="hold" nodeType="afterEffect">
+                                  <p:stCondLst>
+                                    <p:cond delay="0"/>
+                                  </p:stCondLst>
+                                  <p:childTnLst>
+                                    <p:cmd type="call" cmd="playFrom(0.0)">
+                                      <p:cBhvr>
+                                        <p:cTn id="9" dur="2000" fill="hold"/>
+                                        <p:tgtEl>
+                                          <p:spTgt spid="2"/>
+                                        </p:tgtEl>
+                                      </p:cBhvr>
+                                    </p:cmd>
+                                  </p:childTnLst>
+                                </p:cTn>
+                              </p:par>
+                            </p:childTnLst>
+                          </p:cTn>
+                        </p:par>
+                      </p:childTnLst>
+                    </p:cTn>
+                  </p:par>
+                </p:childTnLst>
+              </p:cTn>
+              <p:prevCondLst>
+                <p:cond evt="onPrev" delay="0">
+                  <p:tgtEl>
+                    <p:sldTgt/>
+                  </p:tgtEl>
+                </p:cond>
+              </p:prevCondLst>
+              <p:nextCondLst>
+                <p:cond evt="onNext" delay="0">
+                  <p:tgtEl>
+                    <p:sldTgt/>
+                  </p:tgtEl>
+                </p:cond>
+              </p:nextCondLst>
+            </p:seq>
+            <p:video>
+              <p:cMediaNode vol="80000">
+                <p:cTn id="10" fill="hold" display="0">
+                  <p:stCondLst>
+                    <p:cond delay="indefinite"/>
+                  </p:stCondLst>
+                </p:cTn>
+                <p:tgtEl>
+                  <p:spTgt spid="2"/>
+                </p:tgtEl>
+              </p:cMediaNode>
+            </p:video>
+          </p:childTnLst>
+        </p:cTn>
+      </p:par>
+    </p:tnLst>
+  </p:timing>
+</p:sld>
+</file>
+
+<file path=ppt/slides/slide2.xml><?xml version="1.0" encoding="utf-8"?>
+<p:sld xmlns:a="http://schemas.openxmlformats.org/drawingml/2006/main" xmlns:p="http://schemas.openxmlformats.org/presentationml/2006/main" xmlns:r="http://schemas.openxmlformats.org/officeDocument/2006/relationships">
+  <p:cSld>
+    <p:spTree>
+      <p:nvGrpSpPr>
+        <p:cNvPr id="1" name=""/>
+        <p:cNvGrpSpPr/>
+        <p:nvPr/>
+      </p:nvGrpSpPr>
+      <p:grpSpPr/>
+      <p:pic>
+        <p:nvPicPr>
+          <p:cNvPr id="2" name="3234206521_4043177481_1273421227.mp4">
+            <a:hlinkClick r:id="" action="ppaction://media"/>
+          </p:cNvPr>
+          <p:cNvPicPr>
+            <a:picLocks noChangeAspect="1"/>
+          </p:cNvPicPr>
+          <p:nvPr>
+            <a:videoFile r:link="rId4"/>
+            <p:extLst>
+              <p:ext uri="{DAA4B4D4-6D71-4841-9C94-3DE7FCFB9230}">
+                <p14:media xmlns:p14="http://schemas.microsoft.com/office/powerpoint/2010/main" r:embed="rId3"/>
+              </p:ext>
+            </p:extLst>
+          </p:nvPr>
+        </p:nvPicPr>
+        <p:blipFill>
+          <a:blip r:embed="rId5"/>
+          <a:stretch>
+            <a:fillRect/>
+          </a:stretch>
+        </p:blipFill>
+        <p:spPr>
+          <a:xfrm>
+            <a:off x="0" y="0"/>
+            <a:ext cx="18288000" cy="10287000"/>
+          </a:xfrm>
+          <a:prstGeom prst="rect">
+            <a:avLst/>
+          </a:prstGeom>
+        </p:spPr>
+      </p:pic>
+      <p:pic>
+        <p:nvPicPr>
+          <p:cNvPr id="3" name="3234206521_2674125877_2329466409.mp4">
+            <a:hlinkClick r:id="" action="ppaction://media"/>
+          </p:cNvPr>
+          <p:cNvPicPr>
+            <a:picLocks noChangeAspect="1"/>
+          </p:cNvPicPr>
+          <p:nvPr>
+            <a:videoFile r:link="rId4"/>
+            <p:extLst>
+              <p:ext uri="{DAA4B4D4-6D71-4841-9C94-3DE7FCFB9230}">
+                <p14:media xmlns:p14="http://schemas.microsoft.com/office/powerpoint/2010/main" r:embed="rId3"/>
+              </p:ext>
+            </p:extLst>
+          </p:nvPr>
+        </p:nvPicPr>
+        <p:blipFill>
+          <a:blip r:embed="rId5"/>
+          <a:stretch>
+            <a:fillRect/>
+          </a:stretch>
+        </p:blipFill>
+        <p:spPr>
+          <a:xfrm>
+            <a:off x="0" y="0"/>
+            <a:ext cx="18288000" cy="10287000"/>
           </a:xfrm>
           <a:prstGeom prst="rect">
             <a:avLst/>
@@ -3688,6 +3955,116 @@
                             </p:childTnLst>
                           </p:cTn>
                         </p:par>
+                        <p:par>
+                          <p:cTn id="10" fill="hold">
+                            <p:stCondLst>
+                              <p:cond delay="1000"/>
+                            </p:stCondLst>
+                            <p:childTnLst>
+                              <p:par>
+                                <p:cTn id="11" presetID="1" presetClass="exit" presetSubtype="0" fill="hold" nodeType="afterEffect">
+                                  <p:stCondLst>
+                                    <p:cond delay="0"/>
+                                  </p:stCondLst>
+                                  <p:childTnLst>
+                                    <p:set>
+                                      <p:cBhvr>
+                                        <p:cTn id="12" dur="1" fill="hold">
+                                          <p:stCondLst>
+                                            <p:cond delay="0"/>
+                                          </p:stCondLst>
+                                        </p:cTn>
+                                        <p:tgtEl>
+                                          <p:spTgt spid="2"/>
+                                        </p:tgtEl>
+                                        <p:attrNameLst>
+                                          <p:attrName>style.visibility</p:attrName>
+                                        </p:attrNameLst>
+                                      </p:cBhvr>
+                                      <p:to>
+                                        <p:strVal val="hidden"/>
+                                      </p:to>
+                                    </p:set>
+                                    <p:cmd type="call" cmd="stop">
+                                      <p:cBhvr>
+                                        <p:cTn id="13" dur="1" fill="hold">
+                                          <p:stCondLst>
+                                            <p:cond delay="0"/>
+                                          </p:stCondLst>
+                                        </p:cTn>
+                                        <p:tgtEl>
+                                          <p:spTgt spid="2"/>
+                                        </p:tgtEl>
+                                      </p:cBhvr>
+                                    </p:cmd>
+                                  </p:childTnLst>
+                                </p:cTn>
+                              </p:par>
+                            </p:childTnLst>
+                          </p:cTn>
+                        </p:par>
+                        <p:par>
+                          <p:cTn id="14" fill="hold">
+                            <p:stCondLst>
+                              <p:cond delay="1000"/>
+                            </p:stCondLst>
+                            <p:childTnLst>
+                              <p:par>
+                                <p:cTn id="15" presetID="1" presetClass="entr" presetSubtype="0" fill="hold" nodeType="afterEffect">
+                                  <p:stCondLst>
+                                    <p:cond delay="0"/>
+                                  </p:stCondLst>
+                                  <p:childTnLst>
+                                    <p:set>
+                                      <p:cBhvr>
+                                        <p:cTn id="16" dur="1" fill="hold">
+                                          <p:stCondLst>
+                                            <p:cond delay="0"/>
+                                          </p:stCondLst>
+                                        </p:cTn>
+                                        <p:tgtEl>
+                                          <p:spTgt spid="3"/>
+                                        </p:tgtEl>
+                                        <p:attrNameLst>
+                                          <p:attrName>style.visibility</p:attrName>
+                                        </p:attrNameLst>
+                                      </p:cBhvr>
+                                      <p:to>
+                                        <p:strVal val="visible"/>
+                                      </p:to>
+                                    </p:set>
+                                  </p:childTnLst>
+                                </p:cTn>
+                              </p:par>
+                            </p:childTnLst>
+                          </p:cTn>
+                        </p:par>
+                        <p:par>
+                          <p:cTn id="17" fill="hold">
+                            <p:stCondLst>
+                              <p:cond delay="1000"/>
+                            </p:stCondLst>
+                            <p:childTnLst>
+                              <p:par>
+                                <p:cTn id="18" presetID="1" presetClass="mediacall" presetSubtype="0" fill="hold" nodeType="afterEffect">
+                                  <p:stCondLst>
+                                    <p:cond delay="0"/>
+                                  </p:stCondLst>
+                                  <p:childTnLst>
+                                    <p:cmd type="call" cmd="playFrom(0.0)">
+                                      <p:cBhvr>
+                                        <p:cTn id="19" dur="1000" fill="hold"/>
+                                        <p:tgtEl>
+                                          <p:spTgt spid="3"/>
+                                        </p:tgtEl>
+                                      </p:cBhvr>
+                                    </p:cmd>
+                                  </p:childTnLst>
+                                </p:cTn>
+                              </p:par>
+                            </p:childTnLst>
+                          </p:cTn>
+                        </p:par>
                       </p:childTnLst>
                     </p:cTn>
                   </p:par>
@@ -3710,13 +4087,25 @@
             </p:seq>
             <p:video>
               <p:cMediaNode vol="80000">
-                <p:cTn id="10" fill="hold" display="0">
+                <p:cTn id="20" fill="hold" display="0">
                   <p:stCondLst>
                     <p:cond delay="indefinite"/>
                   </p:stCondLst>
                 </p:cTn>
                 <p:tgtEl>
                   <p:spTgt spid="2"/>
+                </p:tgtEl>
+              </p:cMediaNode>
+            </p:video>
+            <p:video>
+              <p:cMediaNode vol="80000">
+                <p:cTn id="21" fill="hold" display="0">
+                  <p:stCondLst>
+                    <p:cond delay="indefinite"/>
+                  </p:stCondLst>
+                </p:cTn>
+                <p:tgtEl>
+                  <p:spTgt spid="3"/>
                 </p:tgtEl>
               </p:cMediaNode>
             </p:video>
@@ -3728,7 +4117,7 @@
 </p:sld>
 </file>
 
-<file path=ppt/slides/slide2.xml><?xml version="1.0" encoding="utf-8"?>
+<file path=ppt/slides/slide3.xml><?xml version="1.0" encoding="utf-8"?>
 <p:sld xmlns:a="http://schemas.openxmlformats.org/drawingml/2006/main" xmlns:p="http://schemas.openxmlformats.org/presentationml/2006/main" xmlns:r="http://schemas.openxmlformats.org/officeDocument/2006/relationships">
   <p:cSld>
     <p:spTree>
@@ -3740,7 +4129,7 @@
       <p:grpSpPr/>
       <p:pic>
         <p:nvPicPr>
-          <p:cNvPr id="2" name="2201830969_1912783994_338361040.mp4">
+          <p:cNvPr id="2" name="3234206521_3045072725_2529788936.mp4">
             <a:hlinkClick r:id="" action="ppaction://media"/>
           </p:cNvPr>
           <p:cNvPicPr>
@@ -3764,7 +4153,7 @@
         <p:spPr>
           <a:xfrm>
             <a:off x="0" y="0"/>
-            <a:ext cx="8134350" cy="4572000"/>
+            <a:ext cx="18288000" cy="10287000"/>
           </a:xfrm>
           <a:prstGeom prst="rect">
             <a:avLst/>
